--- a/assets/InnovAIte Season 2.pptx
+++ b/assets/InnovAIte Season 2.pptx
@@ -6,9 +6,8 @@
   </p:sldMasterIdLst>
   <p:sldIdLst>
     <p:sldId id="257" r:id="rId2"/>
-    <p:sldId id="274" r:id="rId3"/>
-    <p:sldId id="262" r:id="rId4"/>
-    <p:sldId id="291" r:id="rId5"/>
+    <p:sldId id="262" r:id="rId3"/>
+    <p:sldId id="291" r:id="rId4"/>
   </p:sldIdLst>
   <p:sldSz cx="12192000" cy="6858000"/>
   <p:notesSz cx="6858000" cy="9144000"/>
@@ -225,7 +224,7 @@
           <a:p>
             <a:fld id="{870C272D-665C-49F7-8FA3-A79D36486892}" type="datetimeFigureOut">
               <a:rPr lang="en-US" smtClean="0"/>
-              <a:t>10/29/2025</a:t>
+              <a:t>10/31/2025</a:t>
             </a:fld>
             <a:endParaRPr lang="en-US"/>
           </a:p>
@@ -398,7 +397,7 @@
           <a:p>
             <a:fld id="{870C272D-665C-49F7-8FA3-A79D36486892}" type="datetimeFigureOut">
               <a:rPr lang="en-US" smtClean="0"/>
-              <a:t>10/29/2025</a:t>
+              <a:t>10/31/2025</a:t>
             </a:fld>
             <a:endParaRPr lang="en-US"/>
           </a:p>
@@ -606,7 +605,7 @@
           <a:p>
             <a:fld id="{870C272D-665C-49F7-8FA3-A79D36486892}" type="datetimeFigureOut">
               <a:rPr lang="en-US" smtClean="0"/>
-              <a:t>10/29/2025</a:t>
+              <a:t>10/31/2025</a:t>
             </a:fld>
             <a:endParaRPr lang="en-US"/>
           </a:p>
@@ -804,7 +803,7 @@
           <a:p>
             <a:fld id="{870C272D-665C-49F7-8FA3-A79D36486892}" type="datetimeFigureOut">
               <a:rPr lang="en-US" smtClean="0"/>
-              <a:t>10/29/2025</a:t>
+              <a:t>10/31/2025</a:t>
             </a:fld>
             <a:endParaRPr lang="en-US"/>
           </a:p>
@@ -1079,7 +1078,7 @@
           <a:p>
             <a:fld id="{870C272D-665C-49F7-8FA3-A79D36486892}" type="datetimeFigureOut">
               <a:rPr lang="en-US" smtClean="0"/>
-              <a:t>10/29/2025</a:t>
+              <a:t>10/31/2025</a:t>
             </a:fld>
             <a:endParaRPr lang="en-US"/>
           </a:p>
@@ -1344,7 +1343,7 @@
           <a:p>
             <a:fld id="{870C272D-665C-49F7-8FA3-A79D36486892}" type="datetimeFigureOut">
               <a:rPr lang="en-US" smtClean="0"/>
-              <a:t>10/29/2025</a:t>
+              <a:t>10/31/2025</a:t>
             </a:fld>
             <a:endParaRPr lang="en-US"/>
           </a:p>
@@ -1756,7 +1755,7 @@
           <a:p>
             <a:fld id="{870C272D-665C-49F7-8FA3-A79D36486892}" type="datetimeFigureOut">
               <a:rPr lang="en-US" smtClean="0"/>
-              <a:t>10/29/2025</a:t>
+              <a:t>10/31/2025</a:t>
             </a:fld>
             <a:endParaRPr lang="en-US"/>
           </a:p>
@@ -1897,7 +1896,7 @@
           <a:p>
             <a:fld id="{870C272D-665C-49F7-8FA3-A79D36486892}" type="datetimeFigureOut">
               <a:rPr lang="en-US" smtClean="0"/>
-              <a:t>10/29/2025</a:t>
+              <a:t>10/31/2025</a:t>
             </a:fld>
             <a:endParaRPr lang="en-US"/>
           </a:p>
@@ -2010,7 +2009,7 @@
           <a:p>
             <a:fld id="{870C272D-665C-49F7-8FA3-A79D36486892}" type="datetimeFigureOut">
               <a:rPr lang="en-US" smtClean="0"/>
-              <a:t>10/29/2025</a:t>
+              <a:t>10/31/2025</a:t>
             </a:fld>
             <a:endParaRPr lang="en-US"/>
           </a:p>
@@ -2321,7 +2320,7 @@
           <a:p>
             <a:fld id="{870C272D-665C-49F7-8FA3-A79D36486892}" type="datetimeFigureOut">
               <a:rPr lang="en-US" smtClean="0"/>
-              <a:t>10/29/2025</a:t>
+              <a:t>10/31/2025</a:t>
             </a:fld>
             <a:endParaRPr lang="en-US"/>
           </a:p>
@@ -2609,7 +2608,7 @@
           <a:p>
             <a:fld id="{870C272D-665C-49F7-8FA3-A79D36486892}" type="datetimeFigureOut">
               <a:rPr lang="en-US" smtClean="0"/>
-              <a:t>10/29/2025</a:t>
+              <a:t>10/31/2025</a:t>
             </a:fld>
             <a:endParaRPr lang="en-US"/>
           </a:p>
@@ -2850,7 +2849,7 @@
           <a:p>
             <a:fld id="{870C272D-665C-49F7-8FA3-A79D36486892}" type="datetimeFigureOut">
               <a:rPr lang="en-US" smtClean="0"/>
-              <a:t>10/29/2025</a:t>
+              <a:t>10/31/2025</a:t>
             </a:fld>
             <a:endParaRPr lang="en-US"/>
           </a:p>
@@ -3687,7 +3686,7 @@
         </p:blipFill>
         <p:spPr>
           <a:xfrm>
-            <a:off x="21661" y="-54856"/>
+            <a:off x="-846" y="-150642"/>
             <a:ext cx="12192846" cy="6857524"/>
           </a:xfrm>
           <a:prstGeom prst="rect">
@@ -3732,31 +3731,8 @@
                   <a:schemeClr val="bg1"/>
                 </a:solidFill>
               </a:rPr>
-              <a:t>About </a:t>
-            </a:r>
-            <a:r>
-              <a:rPr lang="en-US" sz="3600" b="1" dirty="0" err="1">
-                <a:solidFill>
-                  <a:schemeClr val="bg1"/>
-                </a:solidFill>
-              </a:rPr>
-              <a:t>InnovAIte</a:t>
-            </a:r>
-            <a:endParaRPr lang="en-US" sz="3600" b="1" dirty="0">
-              <a:solidFill>
-                <a:schemeClr val="bg1"/>
-              </a:solidFill>
-            </a:endParaRPr>
-          </a:p>
-          <a:p>
-            <a:pPr marL="0" indent="0">
-              <a:buNone/>
-            </a:pPr>
-            <a:endParaRPr lang="en-US" sz="3600" b="1" dirty="0">
-              <a:solidFill>
-                <a:schemeClr val="bg1"/>
-              </a:solidFill>
-            </a:endParaRPr>
+              <a:t> Team</a:t>
+            </a:r>
           </a:p>
         </p:txBody>
       </p:sp>
@@ -3800,271 +3776,545 @@
       </p:cxnSp>
       <p:sp>
         <p:nvSpPr>
-          <p:cNvPr id="21" name="TextBox 20">
-            <a:extLst>
-              <a:ext uri="{FF2B5EF4-FFF2-40B4-BE49-F238E27FC236}">
-                <a16:creationId xmlns:a16="http://schemas.microsoft.com/office/drawing/2014/main" id="{16D43CB6-DC99-4665-8125-E0A6C7B2B55C}"/>
-              </a:ext>
-            </a:extLst>
-          </p:cNvPr>
-          <p:cNvSpPr txBox="1"/>
+          <p:cNvPr id="12" name="Subtitle 2">
+            <a:extLst>
+              <a:ext uri="{FF2B5EF4-FFF2-40B4-BE49-F238E27FC236}">
+                <a16:creationId xmlns:a16="http://schemas.microsoft.com/office/drawing/2014/main" id="{A3D739AD-C073-E4AE-A14F-B5398893FE1B}"/>
+              </a:ext>
+            </a:extLst>
+          </p:cNvPr>
+          <p:cNvSpPr txBox="1">
+            <a:spLocks/>
+          </p:cNvSpPr>
           <p:nvPr/>
         </p:nvSpPr>
         <p:spPr>
           <a:xfrm>
-            <a:off x="345511" y="1140505"/>
-            <a:ext cx="11846489" cy="5509200"/>
+            <a:off x="343850" y="1329959"/>
+            <a:ext cx="11848150" cy="4538482"/>
           </a:xfrm>
           <a:prstGeom prst="rect">
             <a:avLst/>
           </a:prstGeom>
-          <a:noFill/>
         </p:spPr>
         <p:txBody>
-          <a:bodyPr wrap="square">
-            <a:spAutoFit/>
+          <a:bodyPr vert="horz" lIns="91440" tIns="45720" rIns="91440" bIns="45720" rtlCol="0">
+            <a:noAutofit/>
           </a:bodyPr>
-          <a:lstStyle/>
-          <a:p>
-            <a:r>
-              <a:rPr lang="en-US" sz="1600" dirty="0" err="1">
-                <a:solidFill>
-                  <a:schemeClr val="bg1"/>
-                </a:solidFill>
-              </a:rPr>
-              <a:t>InnovAIte</a:t>
-            </a:r>
-            <a:r>
-              <a:rPr lang="en-US" sz="1600" dirty="0">
-                <a:solidFill>
-                  <a:schemeClr val="bg1"/>
-                </a:solidFill>
-              </a:rPr>
-              <a:t>, an initiative by Aptech and Innovador Solutions, returns for its second season with renewed energy and expanded vision. This platform is designed to ignite curiosity, foster innovation, and empower students to explore the transformative potential of Artificial Intelligence in real-world software development.</a:t>
-            </a:r>
-          </a:p>
-          <a:p>
-            <a:pPr marL="342900" indent="-342900">
+          <a:lstStyle>
+            <a:lvl1pPr marL="228600" indent="-228600" algn="l" defTabSz="914400" rtl="0" eaLnBrk="1" latinLnBrk="0" hangingPunct="1">
+              <a:lnSpc>
+                <a:spcPct val="90000"/>
+              </a:lnSpc>
+              <a:spcBef>
+                <a:spcPts val="1000"/>
+              </a:spcBef>
+              <a:buFont typeface="Arial" panose="020B0604020202020204" pitchFamily="34" charset="0"/>
+              <a:buChar char="•"/>
+              <a:defRPr sz="2800" kern="1200">
+                <a:solidFill>
+                  <a:schemeClr val="tx1"/>
+                </a:solidFill>
+                <a:latin typeface="+mn-lt"/>
+                <a:ea typeface="+mn-ea"/>
+                <a:cs typeface="+mn-cs"/>
+              </a:defRPr>
+            </a:lvl1pPr>
+            <a:lvl2pPr marL="685800" indent="-228600" algn="l" defTabSz="914400" rtl="0" eaLnBrk="1" latinLnBrk="0" hangingPunct="1">
+              <a:lnSpc>
+                <a:spcPct val="90000"/>
+              </a:lnSpc>
+              <a:spcBef>
+                <a:spcPts val="500"/>
+              </a:spcBef>
+              <a:buFont typeface="Arial" panose="020B0604020202020204" pitchFamily="34" charset="0"/>
+              <a:buChar char="•"/>
+              <a:defRPr sz="2400" kern="1200">
+                <a:solidFill>
+                  <a:schemeClr val="tx1"/>
+                </a:solidFill>
+                <a:latin typeface="+mn-lt"/>
+                <a:ea typeface="+mn-ea"/>
+                <a:cs typeface="+mn-cs"/>
+              </a:defRPr>
+            </a:lvl2pPr>
+            <a:lvl3pPr marL="1143000" indent="-228600" algn="l" defTabSz="914400" rtl="0" eaLnBrk="1" latinLnBrk="0" hangingPunct="1">
+              <a:lnSpc>
+                <a:spcPct val="90000"/>
+              </a:lnSpc>
+              <a:spcBef>
+                <a:spcPts val="500"/>
+              </a:spcBef>
+              <a:buFont typeface="Arial" panose="020B0604020202020204" pitchFamily="34" charset="0"/>
+              <a:buChar char="•"/>
+              <a:defRPr sz="2000" kern="1200">
+                <a:solidFill>
+                  <a:schemeClr val="tx1"/>
+                </a:solidFill>
+                <a:latin typeface="+mn-lt"/>
+                <a:ea typeface="+mn-ea"/>
+                <a:cs typeface="+mn-cs"/>
+              </a:defRPr>
+            </a:lvl3pPr>
+            <a:lvl4pPr marL="1600200" indent="-228600" algn="l" defTabSz="914400" rtl="0" eaLnBrk="1" latinLnBrk="0" hangingPunct="1">
+              <a:lnSpc>
+                <a:spcPct val="90000"/>
+              </a:lnSpc>
+              <a:spcBef>
+                <a:spcPts val="500"/>
+              </a:spcBef>
+              <a:buFont typeface="Arial" panose="020B0604020202020204" pitchFamily="34" charset="0"/>
+              <a:buChar char="•"/>
+              <a:defRPr sz="1800" kern="1200">
+                <a:solidFill>
+                  <a:schemeClr val="tx1"/>
+                </a:solidFill>
+                <a:latin typeface="+mn-lt"/>
+                <a:ea typeface="+mn-ea"/>
+                <a:cs typeface="+mn-cs"/>
+              </a:defRPr>
+            </a:lvl4pPr>
+            <a:lvl5pPr marL="2057400" indent="-228600" algn="l" defTabSz="914400" rtl="0" eaLnBrk="1" latinLnBrk="0" hangingPunct="1">
+              <a:lnSpc>
+                <a:spcPct val="90000"/>
+              </a:lnSpc>
+              <a:spcBef>
+                <a:spcPts val="500"/>
+              </a:spcBef>
+              <a:buFont typeface="Arial" panose="020B0604020202020204" pitchFamily="34" charset="0"/>
+              <a:buChar char="•"/>
+              <a:defRPr sz="1800" kern="1200">
+                <a:solidFill>
+                  <a:schemeClr val="tx1"/>
+                </a:solidFill>
+                <a:latin typeface="+mn-lt"/>
+                <a:ea typeface="+mn-ea"/>
+                <a:cs typeface="+mn-cs"/>
+              </a:defRPr>
+            </a:lvl5pPr>
+            <a:lvl6pPr marL="2514600" indent="-228600" algn="l" defTabSz="914400" rtl="0" eaLnBrk="1" latinLnBrk="0" hangingPunct="1">
+              <a:lnSpc>
+                <a:spcPct val="90000"/>
+              </a:lnSpc>
+              <a:spcBef>
+                <a:spcPts val="500"/>
+              </a:spcBef>
+              <a:buFont typeface="Arial" panose="020B0604020202020204" pitchFamily="34" charset="0"/>
+              <a:buChar char="•"/>
+              <a:defRPr sz="1800" kern="1200">
+                <a:solidFill>
+                  <a:schemeClr val="tx1"/>
+                </a:solidFill>
+                <a:latin typeface="+mn-lt"/>
+                <a:ea typeface="+mn-ea"/>
+                <a:cs typeface="+mn-cs"/>
+              </a:defRPr>
+            </a:lvl6pPr>
+            <a:lvl7pPr marL="2971800" indent="-228600" algn="l" defTabSz="914400" rtl="0" eaLnBrk="1" latinLnBrk="0" hangingPunct="1">
+              <a:lnSpc>
+                <a:spcPct val="90000"/>
+              </a:lnSpc>
+              <a:spcBef>
+                <a:spcPts val="500"/>
+              </a:spcBef>
+              <a:buFont typeface="Arial" panose="020B0604020202020204" pitchFamily="34" charset="0"/>
+              <a:buChar char="•"/>
+              <a:defRPr sz="1800" kern="1200">
+                <a:solidFill>
+                  <a:schemeClr val="tx1"/>
+                </a:solidFill>
+                <a:latin typeface="+mn-lt"/>
+                <a:ea typeface="+mn-ea"/>
+                <a:cs typeface="+mn-cs"/>
+              </a:defRPr>
+            </a:lvl7pPr>
+            <a:lvl8pPr marL="3429000" indent="-228600" algn="l" defTabSz="914400" rtl="0" eaLnBrk="1" latinLnBrk="0" hangingPunct="1">
+              <a:lnSpc>
+                <a:spcPct val="90000"/>
+              </a:lnSpc>
+              <a:spcBef>
+                <a:spcPts val="500"/>
+              </a:spcBef>
+              <a:buFont typeface="Arial" panose="020B0604020202020204" pitchFamily="34" charset="0"/>
+              <a:buChar char="•"/>
+              <a:defRPr sz="1800" kern="1200">
+                <a:solidFill>
+                  <a:schemeClr val="tx1"/>
+                </a:solidFill>
+                <a:latin typeface="+mn-lt"/>
+                <a:ea typeface="+mn-ea"/>
+                <a:cs typeface="+mn-cs"/>
+              </a:defRPr>
+            </a:lvl8pPr>
+            <a:lvl9pPr marL="3886200" indent="-228600" algn="l" defTabSz="914400" rtl="0" eaLnBrk="1" latinLnBrk="0" hangingPunct="1">
+              <a:lnSpc>
+                <a:spcPct val="90000"/>
+              </a:lnSpc>
+              <a:spcBef>
+                <a:spcPts val="500"/>
+              </a:spcBef>
+              <a:buFont typeface="Arial" panose="020B0604020202020204" pitchFamily="34" charset="0"/>
+              <a:buChar char="•"/>
+              <a:defRPr sz="1800" kern="1200">
+                <a:solidFill>
+                  <a:schemeClr val="tx1"/>
+                </a:solidFill>
+                <a:latin typeface="+mn-lt"/>
+                <a:ea typeface="+mn-ea"/>
+                <a:cs typeface="+mn-cs"/>
+              </a:defRPr>
+            </a:lvl9pPr>
+          </a:lstStyle>
+          <a:p>
+            <a:pPr>
+              <a:lnSpc>
+                <a:spcPct val="107000"/>
+              </a:lnSpc>
+              <a:spcBef>
+                <a:spcPts val="800"/>
+              </a:spcBef>
+              <a:spcAft>
+                <a:spcPts val="400"/>
+              </a:spcAft>
               <a:buFont typeface="Wingdings" panose="05000000000000000000" pitchFamily="2" charset="2"/>
               <a:buChar char="§"/>
             </a:pPr>
-            <a:endParaRPr lang="en-US" sz="1600" dirty="0">
+            <a:r>
+              <a:rPr kumimoji="0" lang="en-US" sz="2000" b="1" i="0" u="none" strike="noStrike" kern="1200" cap="none" spc="0" normalizeH="0" baseline="0" noProof="0" dirty="0">
+                <a:ln>
+                  <a:noFill/>
+                </a:ln>
+                <a:solidFill>
+                  <a:prstClr val="white"/>
+                </a:solidFill>
+                <a:effectLst/>
+                <a:uLnTx/>
+                <a:uFillTx/>
+                <a:latin typeface="Calibri" panose="020F0502020204030204"/>
+                <a:ea typeface="+mn-ea"/>
+                <a:cs typeface="+mn-cs"/>
+              </a:rPr>
+              <a:t>Each Team will be led by Scrum Master, (Project Manager) who must be a faculty with minimum 3 and maximum 5 team members (students) with clear roles &amp; responsibilities. </a:t>
+            </a:r>
+            <a:r>
+              <a:rPr lang="en-US" sz="2000" b="1" dirty="0">
+                <a:solidFill>
+                  <a:prstClr val="white"/>
+                </a:solidFill>
+                <a:latin typeface="Calibri" panose="020F0502020204030204"/>
+              </a:rPr>
+              <a:t>Key roles are given below if team </a:t>
+            </a:r>
+            <a:r>
+              <a:rPr lang="en-US" sz="2000" b="1" dirty="0" err="1">
+                <a:solidFill>
+                  <a:prstClr val="white"/>
+                </a:solidFill>
+                <a:latin typeface="Calibri" panose="020F0502020204030204"/>
+              </a:rPr>
+              <a:t>mebers</a:t>
+            </a:r>
+            <a:r>
+              <a:rPr lang="en-US" sz="2000" b="1" dirty="0">
+                <a:solidFill>
+                  <a:prstClr val="white"/>
+                </a:solidFill>
+                <a:latin typeface="Calibri" panose="020F0502020204030204"/>
+              </a:rPr>
+              <a:t> are lesser in number then the roles can be merged.</a:t>
+            </a:r>
+          </a:p>
+          <a:p>
+            <a:pPr>
+              <a:lnSpc>
+                <a:spcPct val="107000"/>
+              </a:lnSpc>
+              <a:spcBef>
+                <a:spcPts val="800"/>
+              </a:spcBef>
+              <a:spcAft>
+                <a:spcPts val="400"/>
+              </a:spcAft>
+              <a:buFont typeface="Wingdings" panose="05000000000000000000" pitchFamily="2" charset="2"/>
+              <a:buChar char="§"/>
+            </a:pPr>
+            <a:r>
+              <a:rPr kumimoji="0" lang="en-US" sz="2000" b="1" i="0" u="none" strike="noStrike" kern="1200" cap="none" spc="0" normalizeH="0" baseline="0" noProof="0" dirty="0">
+                <a:ln>
+                  <a:noFill/>
+                </a:ln>
+                <a:solidFill>
+                  <a:prstClr val="white"/>
+                </a:solidFill>
+                <a:effectLst/>
+                <a:uLnTx/>
+                <a:uFillTx/>
+                <a:latin typeface="Calibri" panose="020F0502020204030204"/>
+                <a:ea typeface="+mn-ea"/>
+                <a:cs typeface="+mn-cs"/>
+              </a:rPr>
+              <a:t>Key Roles</a:t>
+            </a:r>
+          </a:p>
+          <a:p>
+            <a:pPr lvl="1">
+              <a:lnSpc>
+                <a:spcPct val="107000"/>
+              </a:lnSpc>
+              <a:spcBef>
+                <a:spcPts val="800"/>
+              </a:spcBef>
+              <a:spcAft>
+                <a:spcPts val="400"/>
+              </a:spcAft>
+              <a:buFont typeface="Wingdings" panose="05000000000000000000" pitchFamily="2" charset="2"/>
+              <a:buChar char="§"/>
+            </a:pPr>
+            <a:r>
+              <a:rPr kumimoji="0" lang="en-US" sz="1800" b="1" i="0" u="none" strike="noStrike" kern="1200" cap="none" spc="0" normalizeH="0" baseline="0" noProof="0" dirty="0">
+                <a:ln>
+                  <a:noFill/>
+                </a:ln>
+                <a:solidFill>
+                  <a:prstClr val="white"/>
+                </a:solidFill>
+                <a:effectLst/>
+                <a:uLnTx/>
+                <a:uFillTx/>
+                <a:latin typeface="Calibri" panose="020F0502020204030204"/>
+                <a:ea typeface="+mn-ea"/>
+                <a:cs typeface="+mn-cs"/>
+              </a:rPr>
+              <a:t>Project Manager</a:t>
+            </a:r>
+          </a:p>
+          <a:p>
+            <a:pPr lvl="1">
+              <a:lnSpc>
+                <a:spcPct val="107000"/>
+              </a:lnSpc>
+              <a:spcBef>
+                <a:spcPts val="800"/>
+              </a:spcBef>
+              <a:spcAft>
+                <a:spcPts val="400"/>
+              </a:spcAft>
+              <a:buFont typeface="Wingdings" panose="05000000000000000000" pitchFamily="2" charset="2"/>
+              <a:buChar char="§"/>
+            </a:pPr>
+            <a:r>
+              <a:rPr lang="en-US" sz="1800" b="1" dirty="0">
+                <a:solidFill>
+                  <a:prstClr val="white"/>
+                </a:solidFill>
+              </a:rPr>
+              <a:t>AI Engineer</a:t>
+            </a:r>
+            <a:endParaRPr kumimoji="0" lang="en-US" sz="1800" b="1" i="0" u="none" strike="noStrike" kern="1200" cap="none" spc="0" normalizeH="0" baseline="0" noProof="0" dirty="0">
+              <a:ln>
+                <a:noFill/>
+              </a:ln>
               <a:solidFill>
-                <a:schemeClr val="bg1"/>
+                <a:prstClr val="white"/>
               </a:solidFill>
+              <a:effectLst/>
+              <a:uLnTx/>
+              <a:uFillTx/>
+              <a:latin typeface="Calibri" panose="020F0502020204030204"/>
+              <a:ea typeface="+mn-ea"/>
+              <a:cs typeface="+mn-cs"/>
             </a:endParaRPr>
           </a:p>
           <a:p>
-            <a:r>
-              <a:rPr lang="en-US" sz="1600" b="1" dirty="0">
-                <a:solidFill>
-                  <a:schemeClr val="bg1"/>
-                </a:solidFill>
+            <a:pPr lvl="1">
+              <a:lnSpc>
+                <a:spcPct val="107000"/>
+              </a:lnSpc>
+              <a:spcBef>
+                <a:spcPts val="800"/>
+              </a:spcBef>
+              <a:spcAft>
+                <a:spcPts val="400"/>
+              </a:spcAft>
+              <a:buFont typeface="Wingdings" panose="05000000000000000000" pitchFamily="2" charset="2"/>
+              <a:buChar char="§"/>
+            </a:pPr>
+            <a:r>
+              <a:rPr kumimoji="0" lang="en-US" sz="1800" b="1" i="0" u="none" strike="noStrike" kern="1200" cap="none" spc="0" normalizeH="0" baseline="0" noProof="0" dirty="0">
+                <a:ln>
+                  <a:noFill/>
+                </a:ln>
+                <a:solidFill>
+                  <a:prstClr val="white"/>
+                </a:solidFill>
+                <a:effectLst/>
+                <a:uLnTx/>
+                <a:uFillTx/>
+                <a:latin typeface="Calibri" panose="020F0502020204030204"/>
+                <a:ea typeface="+mn-ea"/>
+                <a:cs typeface="+mn-cs"/>
               </a:rPr>
-              <a:t>Core Objectives</a:t>
-            </a:r>
-          </a:p>
-          <a:p>
-            <a:endParaRPr lang="en-US" sz="1600" dirty="0">
+              <a:t>Front-End Developer</a:t>
+            </a:r>
+          </a:p>
+          <a:p>
+            <a:pPr lvl="1">
+              <a:lnSpc>
+                <a:spcPct val="107000"/>
+              </a:lnSpc>
+              <a:spcBef>
+                <a:spcPts val="800"/>
+              </a:spcBef>
+              <a:spcAft>
+                <a:spcPts val="400"/>
+              </a:spcAft>
+              <a:buFont typeface="Wingdings" panose="05000000000000000000" pitchFamily="2" charset="2"/>
+              <a:buChar char="§"/>
+            </a:pPr>
+            <a:r>
+              <a:rPr lang="en-US" sz="1800" b="1" dirty="0">
+                <a:solidFill>
+                  <a:prstClr val="white"/>
+                </a:solidFill>
+                <a:latin typeface="Calibri" panose="020F0502020204030204"/>
+              </a:rPr>
+              <a:t>Back-End Developer</a:t>
+            </a:r>
+          </a:p>
+          <a:p>
+            <a:pPr lvl="1">
+              <a:lnSpc>
+                <a:spcPct val="107000"/>
+              </a:lnSpc>
+              <a:spcBef>
+                <a:spcPts val="800"/>
+              </a:spcBef>
+              <a:spcAft>
+                <a:spcPts val="400"/>
+              </a:spcAft>
+              <a:buFont typeface="Wingdings" panose="05000000000000000000" pitchFamily="2" charset="2"/>
+              <a:buChar char="§"/>
+            </a:pPr>
+            <a:r>
+              <a:rPr lang="en-US" sz="1800" b="1" dirty="0">
+                <a:solidFill>
+                  <a:prstClr val="white"/>
+                </a:solidFill>
+                <a:latin typeface="Calibri" panose="020F0502020204030204"/>
+              </a:rPr>
+              <a:t>Data Scientist</a:t>
+            </a:r>
+          </a:p>
+          <a:p>
+            <a:pPr>
+              <a:lnSpc>
+                <a:spcPct val="107000"/>
+              </a:lnSpc>
+              <a:spcBef>
+                <a:spcPts val="800"/>
+              </a:spcBef>
+              <a:spcAft>
+                <a:spcPts val="400"/>
+              </a:spcAft>
+              <a:buFont typeface="Wingdings" panose="05000000000000000000" pitchFamily="2" charset="2"/>
+              <a:buChar char="§"/>
+            </a:pPr>
+            <a:r>
+              <a:rPr lang="en-US" sz="2000" b="1" dirty="0">
+                <a:solidFill>
+                  <a:prstClr val="white"/>
+                </a:solidFill>
+                <a:latin typeface="Calibri" panose="020F0502020204030204"/>
+              </a:rPr>
+              <a:t>Each Team must have a mentor who could be another senior faculty or any one from software industry.</a:t>
+            </a:r>
+          </a:p>
+          <a:p>
+            <a:pPr lvl="1">
+              <a:lnSpc>
+                <a:spcPct val="107000"/>
+              </a:lnSpc>
+              <a:spcBef>
+                <a:spcPts val="800"/>
+              </a:spcBef>
+              <a:spcAft>
+                <a:spcPts val="400"/>
+              </a:spcAft>
+              <a:buFont typeface="Wingdings" panose="05000000000000000000" pitchFamily="2" charset="2"/>
+              <a:buChar char="§"/>
+            </a:pPr>
+            <a:endParaRPr lang="en-US" sz="1800" b="1" dirty="0">
               <a:solidFill>
-                <a:schemeClr val="bg1"/>
+                <a:prstClr val="white"/>
               </a:solidFill>
+              <a:latin typeface="Calibri" panose="020F0502020204030204"/>
             </a:endParaRPr>
           </a:p>
           <a:p>
-            <a:r>
-              <a:rPr lang="en-US" sz="1600" b="1" dirty="0">
-                <a:solidFill>
-                  <a:schemeClr val="bg1"/>
-                </a:solidFill>
-              </a:rPr>
-              <a:t>Cultivate Future-Ready Talent</a:t>
-            </a:r>
-          </a:p>
-          <a:p>
-            <a:pPr marL="285750" indent="-285750">
-              <a:buFont typeface="Arial" panose="020B0604020202020204" pitchFamily="34" charset="0"/>
-              <a:buChar char="•"/>
+            <a:pPr lvl="1">
+              <a:lnSpc>
+                <a:spcPct val="107000"/>
+              </a:lnSpc>
+              <a:spcBef>
+                <a:spcPts val="800"/>
+              </a:spcBef>
+              <a:spcAft>
+                <a:spcPts val="400"/>
+              </a:spcAft>
+              <a:buFont typeface="Wingdings" panose="05000000000000000000" pitchFamily="2" charset="2"/>
+              <a:buChar char="§"/>
             </a:pPr>
-            <a:r>
-              <a:rPr lang="en-US" sz="1600" dirty="0">
-                <a:solidFill>
-                  <a:schemeClr val="bg1"/>
-                </a:solidFill>
-              </a:rPr>
-              <a:t>Equip students with hands-on experience in AI tools, frameworks, and methodologies to prepare them for emerging industry demands.</a:t>
-            </a:r>
-          </a:p>
-          <a:p>
-            <a:pPr marL="742950" lvl="1" indent="-285750">
-              <a:buFont typeface="Arial" panose="020B0604020202020204" pitchFamily="34" charset="0"/>
-              <a:buChar char="•"/>
+            <a:endParaRPr kumimoji="0" lang="en-US" sz="1800" b="1" i="0" u="none" strike="noStrike" kern="1200" cap="none" spc="0" normalizeH="0" baseline="0" noProof="0" dirty="0">
+              <a:ln>
+                <a:noFill/>
+              </a:ln>
+              <a:solidFill>
+                <a:prstClr val="white"/>
+              </a:solidFill>
+              <a:effectLst/>
+              <a:uLnTx/>
+              <a:uFillTx/>
+              <a:latin typeface="Calibri" panose="020F0502020204030204"/>
+              <a:ea typeface="+mn-ea"/>
+              <a:cs typeface="+mn-cs"/>
+            </a:endParaRPr>
+          </a:p>
+          <a:p>
+            <a:pPr marL="0" indent="0">
+              <a:lnSpc>
+                <a:spcPct val="107000"/>
+              </a:lnSpc>
+              <a:spcBef>
+                <a:spcPts val="800"/>
+              </a:spcBef>
+              <a:spcAft>
+                <a:spcPts val="400"/>
+              </a:spcAft>
+              <a:buNone/>
             </a:pPr>
-            <a:r>
-              <a:rPr lang="en-US" sz="1600" dirty="0">
-                <a:solidFill>
-                  <a:schemeClr val="bg1"/>
-                </a:solidFill>
-              </a:rPr>
-              <a:t>Empower Faculty as Innovation Mentors</a:t>
-            </a:r>
-          </a:p>
-          <a:p>
-            <a:pPr marL="742950" lvl="1" indent="-285750">
-              <a:buFont typeface="Arial" panose="020B0604020202020204" pitchFamily="34" charset="0"/>
-              <a:buChar char="•"/>
-            </a:pPr>
-            <a:r>
-              <a:rPr lang="en-US" sz="1600" dirty="0">
-                <a:solidFill>
-                  <a:schemeClr val="bg1"/>
-                </a:solidFill>
-              </a:rPr>
-              <a:t>Engage faculty members as Project Managers to guide, inspire, and shape student teams into high-performing innovation units.</a:t>
-            </a:r>
-          </a:p>
-          <a:p>
-            <a:pPr marL="742950" lvl="1" indent="-285750">
-              <a:buFont typeface="Arial" panose="020B0604020202020204" pitchFamily="34" charset="0"/>
-              <a:buChar char="•"/>
-            </a:pPr>
-            <a:r>
-              <a:rPr lang="en-US" sz="1600" dirty="0">
-                <a:solidFill>
-                  <a:schemeClr val="bg1"/>
-                </a:solidFill>
-              </a:rPr>
-              <a:t>Foster Collaborative Learning</a:t>
-            </a:r>
-          </a:p>
-          <a:p>
-            <a:pPr marL="742950" lvl="1" indent="-285750">
-              <a:buFont typeface="Arial" panose="020B0604020202020204" pitchFamily="34" charset="0"/>
-              <a:buChar char="•"/>
-            </a:pPr>
-            <a:r>
-              <a:rPr lang="en-US" sz="1600" dirty="0">
-                <a:solidFill>
-                  <a:schemeClr val="bg1"/>
-                </a:solidFill>
-              </a:rPr>
-              <a:t>Create interdisciplinary teams that combine coding, data science, design, and domain expertise to simulate real-world development environments.</a:t>
-            </a:r>
-          </a:p>
-          <a:p>
-            <a:pPr marL="742950" lvl="1" indent="-285750">
-              <a:buFont typeface="Arial" panose="020B0604020202020204" pitchFamily="34" charset="0"/>
-              <a:buChar char="•"/>
-            </a:pPr>
-            <a:endParaRPr lang="en-US" sz="1600" dirty="0">
+            <a:endParaRPr kumimoji="0" lang="en-US" sz="2000" b="1" i="0" u="none" strike="noStrike" kern="1200" cap="none" spc="0" normalizeH="0" baseline="0" noProof="0" dirty="0">
+              <a:ln>
+                <a:noFill/>
+              </a:ln>
               <a:solidFill>
-                <a:schemeClr val="bg1"/>
+                <a:prstClr val="white"/>
               </a:solidFill>
+              <a:effectLst/>
+              <a:uLnTx/>
+              <a:uFillTx/>
+              <a:latin typeface="Calibri" panose="020F0502020204030204"/>
+              <a:ea typeface="+mn-ea"/>
+              <a:cs typeface="+mn-cs"/>
             </a:endParaRPr>
-          </a:p>
-          <a:p>
-            <a:pPr marL="285750" indent="-285750">
-              <a:buFont typeface="Arial" panose="020B0604020202020204" pitchFamily="34" charset="0"/>
-              <a:buChar char="•"/>
-            </a:pPr>
-            <a:r>
-              <a:rPr lang="en-US" sz="1600" b="1" dirty="0">
-                <a:solidFill>
-                  <a:schemeClr val="bg1"/>
-                </a:solidFill>
-              </a:rPr>
-              <a:t>Spotlight Creativity and Problem-Solving</a:t>
-            </a:r>
-          </a:p>
-          <a:p>
-            <a:pPr marL="742950" lvl="1" indent="-285750">
-              <a:buFont typeface="Arial" panose="020B0604020202020204" pitchFamily="34" charset="0"/>
-              <a:buChar char="•"/>
-            </a:pPr>
-            <a:r>
-              <a:rPr lang="en-US" sz="1600" dirty="0">
-                <a:solidFill>
-                  <a:schemeClr val="bg1"/>
-                </a:solidFill>
-              </a:rPr>
-              <a:t>Challenge participants to identify meaningful problems and craft AI-driven solutions that are impactful, scalable, and user-centric.</a:t>
-            </a:r>
-          </a:p>
-          <a:p>
-            <a:pPr marL="742950" lvl="1" indent="-285750">
-              <a:buFont typeface="Arial" panose="020B0604020202020204" pitchFamily="34" charset="0"/>
-              <a:buChar char="•"/>
-            </a:pPr>
-            <a:r>
-              <a:rPr lang="en-US" sz="1600" dirty="0">
-                <a:solidFill>
-                  <a:schemeClr val="bg1"/>
-                </a:solidFill>
-              </a:rPr>
-              <a:t>Build a Showcase of Student Innovation</a:t>
-            </a:r>
-          </a:p>
-          <a:p>
-            <a:pPr marL="742950" lvl="1" indent="-285750">
-              <a:buFont typeface="Arial" panose="020B0604020202020204" pitchFamily="34" charset="0"/>
-              <a:buChar char="•"/>
-            </a:pPr>
-            <a:r>
-              <a:rPr lang="en-US" sz="1600" dirty="0">
-                <a:solidFill>
-                  <a:schemeClr val="bg1"/>
-                </a:solidFill>
-              </a:rPr>
-              <a:t>Provide a platform to present projects at Aptech Vision 2025 and other forums, celebrating student ingenuity and institutional excellence.</a:t>
-            </a:r>
-          </a:p>
-          <a:p>
-            <a:pPr marL="742950" lvl="1" indent="-285750">
-              <a:buFont typeface="Arial" panose="020B0604020202020204" pitchFamily="34" charset="0"/>
-              <a:buChar char="•"/>
-            </a:pPr>
-            <a:endParaRPr lang="en-US" sz="1600" dirty="0">
-              <a:solidFill>
-                <a:schemeClr val="bg1"/>
-              </a:solidFill>
-            </a:endParaRPr>
-          </a:p>
-          <a:p>
-            <a:pPr marL="285750" indent="-285750">
-              <a:buFont typeface="Arial" panose="020B0604020202020204" pitchFamily="34" charset="0"/>
-              <a:buChar char="•"/>
-            </a:pPr>
-            <a:r>
-              <a:rPr lang="en-US" sz="1600" b="1" dirty="0">
-                <a:solidFill>
-                  <a:schemeClr val="bg1"/>
-                </a:solidFill>
-              </a:rPr>
-              <a:t>Encourage Ethical and Responsible AI</a:t>
-            </a:r>
-          </a:p>
-          <a:p>
-            <a:pPr marL="742950" lvl="1" indent="-285750">
-              <a:buFont typeface="Arial" panose="020B0604020202020204" pitchFamily="34" charset="0"/>
-              <a:buChar char="•"/>
-            </a:pPr>
-            <a:r>
-              <a:rPr lang="en-US" sz="1600" dirty="0">
-                <a:solidFill>
-                  <a:schemeClr val="bg1"/>
-                </a:solidFill>
-              </a:rPr>
-              <a:t>Instill awareness of ethical considerations, data privacy, and responsible AI usage in all project phases.</a:t>
-            </a:r>
           </a:p>
         </p:txBody>
       </p:sp>
       <p:pic>
         <p:nvPicPr>
-          <p:cNvPr id="12" name="Picture 11">
-            <a:extLst>
-              <a:ext uri="{FF2B5EF4-FFF2-40B4-BE49-F238E27FC236}">
-                <a16:creationId xmlns:a16="http://schemas.microsoft.com/office/drawing/2014/main" id="{74FBD12E-CD54-4C40-8C2A-70EC86443F02}"/>
+          <p:cNvPr id="13" name="Picture 12">
+            <a:extLst>
+              <a:ext uri="{FF2B5EF4-FFF2-40B4-BE49-F238E27FC236}">
+                <a16:creationId xmlns:a16="http://schemas.microsoft.com/office/drawing/2014/main" id="{F705F268-B090-402C-8699-D1F18BCBF896}"/>
               </a:ext>
             </a:extLst>
           </p:cNvPr>
@@ -4100,7 +4350,7 @@
           <p:cNvPr id="4" name="Subtitle 2">
             <a:extLst>
               <a:ext uri="{FF2B5EF4-FFF2-40B4-BE49-F238E27FC236}">
-                <a16:creationId xmlns:a16="http://schemas.microsoft.com/office/drawing/2014/main" id="{17D25C99-5941-A846-281D-EFD28C84816F}"/>
+                <a16:creationId xmlns:a16="http://schemas.microsoft.com/office/drawing/2014/main" id="{466306A4-A02C-D126-E26D-9C37CC9C0603}"/>
               </a:ext>
             </a:extLst>
           </p:cNvPr>
@@ -4306,7 +4556,7 @@
     </p:spTree>
     <p:extLst>
       <p:ext uri="{BB962C8B-B14F-4D97-AF65-F5344CB8AC3E}">
-        <p14:creationId xmlns:p14="http://schemas.microsoft.com/office/powerpoint/2010/main" val="637780728"/>
+        <p14:creationId xmlns:p14="http://schemas.microsoft.com/office/powerpoint/2010/main" val="1377203380"/>
       </p:ext>
     </p:extLst>
   </p:cSld>
@@ -4367,937 +4617,6 @@
         </p:blipFill>
         <p:spPr>
           <a:xfrm>
-            <a:off x="-846" y="-150642"/>
-            <a:ext cx="12192846" cy="6857524"/>
-          </a:xfrm>
-          <a:prstGeom prst="rect">
-            <a:avLst/>
-          </a:prstGeom>
-        </p:spPr>
-      </p:pic>
-      <p:sp>
-        <p:nvSpPr>
-          <p:cNvPr id="3" name="Subtitle 2">
-            <a:extLst>
-              <a:ext uri="{FF2B5EF4-FFF2-40B4-BE49-F238E27FC236}">
-                <a16:creationId xmlns:a16="http://schemas.microsoft.com/office/drawing/2014/main" id="{441FEA2B-5118-D113-3834-7CB48121DA6A}"/>
-              </a:ext>
-            </a:extLst>
-          </p:cNvPr>
-          <p:cNvSpPr>
-            <a:spLocks noGrp="1"/>
-          </p:cNvSpPr>
-          <p:nvPr>
-            <p:ph type="subTitle" idx="4294967295"/>
-          </p:nvPr>
-        </p:nvSpPr>
-        <p:spPr>
-          <a:xfrm>
-            <a:off x="644768" y="293077"/>
-            <a:ext cx="9144000" cy="577714"/>
-          </a:xfrm>
-        </p:spPr>
-        <p:txBody>
-          <a:bodyPr>
-            <a:normAutofit lnSpcReduction="10000"/>
-          </a:bodyPr>
-          <a:lstStyle/>
-          <a:p>
-            <a:pPr marL="0" indent="0">
-              <a:buNone/>
-            </a:pPr>
-            <a:r>
-              <a:rPr lang="en-US" sz="3600" b="1" dirty="0">
-                <a:solidFill>
-                  <a:schemeClr val="bg1"/>
-                </a:solidFill>
-              </a:rPr>
-              <a:t> Team</a:t>
-            </a:r>
-          </a:p>
-        </p:txBody>
-      </p:sp>
-      <p:cxnSp>
-        <p:nvCxnSpPr>
-          <p:cNvPr id="10" name="Straight Connector 9">
-            <a:extLst>
-              <a:ext uri="{FF2B5EF4-FFF2-40B4-BE49-F238E27FC236}">
-                <a16:creationId xmlns:a16="http://schemas.microsoft.com/office/drawing/2014/main" id="{0B79B9F5-1D0F-28FD-AD46-AE42A33F982D}"/>
-              </a:ext>
-            </a:extLst>
-          </p:cNvPr>
-          <p:cNvCxnSpPr>
-            <a:cxnSpLocks/>
-          </p:cNvCxnSpPr>
-          <p:nvPr/>
-        </p:nvCxnSpPr>
-        <p:spPr>
-          <a:xfrm>
-            <a:off x="644768" y="812175"/>
-            <a:ext cx="8124094" cy="0"/>
-          </a:xfrm>
-          <a:prstGeom prst="line">
-            <a:avLst/>
-          </a:prstGeom>
-        </p:spPr>
-        <p:style>
-          <a:lnRef idx="3">
-            <a:schemeClr val="accent4"/>
-          </a:lnRef>
-          <a:fillRef idx="0">
-            <a:schemeClr val="accent4"/>
-          </a:fillRef>
-          <a:effectRef idx="2">
-            <a:schemeClr val="accent4"/>
-          </a:effectRef>
-          <a:fontRef idx="minor">
-            <a:schemeClr val="tx1"/>
-          </a:fontRef>
-        </p:style>
-      </p:cxnSp>
-      <p:sp>
-        <p:nvSpPr>
-          <p:cNvPr id="12" name="Subtitle 2">
-            <a:extLst>
-              <a:ext uri="{FF2B5EF4-FFF2-40B4-BE49-F238E27FC236}">
-                <a16:creationId xmlns:a16="http://schemas.microsoft.com/office/drawing/2014/main" id="{A3D739AD-C073-E4AE-A14F-B5398893FE1B}"/>
-              </a:ext>
-            </a:extLst>
-          </p:cNvPr>
-          <p:cNvSpPr txBox="1">
-            <a:spLocks/>
-          </p:cNvSpPr>
-          <p:nvPr/>
-        </p:nvSpPr>
-        <p:spPr>
-          <a:xfrm>
-            <a:off x="343850" y="1329959"/>
-            <a:ext cx="11848150" cy="4538482"/>
-          </a:xfrm>
-          <a:prstGeom prst="rect">
-            <a:avLst/>
-          </a:prstGeom>
-        </p:spPr>
-        <p:txBody>
-          <a:bodyPr vert="horz" lIns="91440" tIns="45720" rIns="91440" bIns="45720" rtlCol="0">
-            <a:noAutofit/>
-          </a:bodyPr>
-          <a:lstStyle>
-            <a:lvl1pPr marL="228600" indent="-228600" algn="l" defTabSz="914400" rtl="0" eaLnBrk="1" latinLnBrk="0" hangingPunct="1">
-              <a:lnSpc>
-                <a:spcPct val="90000"/>
-              </a:lnSpc>
-              <a:spcBef>
-                <a:spcPts val="1000"/>
-              </a:spcBef>
-              <a:buFont typeface="Arial" panose="020B0604020202020204" pitchFamily="34" charset="0"/>
-              <a:buChar char="•"/>
-              <a:defRPr sz="2800" kern="1200">
-                <a:solidFill>
-                  <a:schemeClr val="tx1"/>
-                </a:solidFill>
-                <a:latin typeface="+mn-lt"/>
-                <a:ea typeface="+mn-ea"/>
-                <a:cs typeface="+mn-cs"/>
-              </a:defRPr>
-            </a:lvl1pPr>
-            <a:lvl2pPr marL="685800" indent="-228600" algn="l" defTabSz="914400" rtl="0" eaLnBrk="1" latinLnBrk="0" hangingPunct="1">
-              <a:lnSpc>
-                <a:spcPct val="90000"/>
-              </a:lnSpc>
-              <a:spcBef>
-                <a:spcPts val="500"/>
-              </a:spcBef>
-              <a:buFont typeface="Arial" panose="020B0604020202020204" pitchFamily="34" charset="0"/>
-              <a:buChar char="•"/>
-              <a:defRPr sz="2400" kern="1200">
-                <a:solidFill>
-                  <a:schemeClr val="tx1"/>
-                </a:solidFill>
-                <a:latin typeface="+mn-lt"/>
-                <a:ea typeface="+mn-ea"/>
-                <a:cs typeface="+mn-cs"/>
-              </a:defRPr>
-            </a:lvl2pPr>
-            <a:lvl3pPr marL="1143000" indent="-228600" algn="l" defTabSz="914400" rtl="0" eaLnBrk="1" latinLnBrk="0" hangingPunct="1">
-              <a:lnSpc>
-                <a:spcPct val="90000"/>
-              </a:lnSpc>
-              <a:spcBef>
-                <a:spcPts val="500"/>
-              </a:spcBef>
-              <a:buFont typeface="Arial" panose="020B0604020202020204" pitchFamily="34" charset="0"/>
-              <a:buChar char="•"/>
-              <a:defRPr sz="2000" kern="1200">
-                <a:solidFill>
-                  <a:schemeClr val="tx1"/>
-                </a:solidFill>
-                <a:latin typeface="+mn-lt"/>
-                <a:ea typeface="+mn-ea"/>
-                <a:cs typeface="+mn-cs"/>
-              </a:defRPr>
-            </a:lvl3pPr>
-            <a:lvl4pPr marL="1600200" indent="-228600" algn="l" defTabSz="914400" rtl="0" eaLnBrk="1" latinLnBrk="0" hangingPunct="1">
-              <a:lnSpc>
-                <a:spcPct val="90000"/>
-              </a:lnSpc>
-              <a:spcBef>
-                <a:spcPts val="500"/>
-              </a:spcBef>
-              <a:buFont typeface="Arial" panose="020B0604020202020204" pitchFamily="34" charset="0"/>
-              <a:buChar char="•"/>
-              <a:defRPr sz="1800" kern="1200">
-                <a:solidFill>
-                  <a:schemeClr val="tx1"/>
-                </a:solidFill>
-                <a:latin typeface="+mn-lt"/>
-                <a:ea typeface="+mn-ea"/>
-                <a:cs typeface="+mn-cs"/>
-              </a:defRPr>
-            </a:lvl4pPr>
-            <a:lvl5pPr marL="2057400" indent="-228600" algn="l" defTabSz="914400" rtl="0" eaLnBrk="1" latinLnBrk="0" hangingPunct="1">
-              <a:lnSpc>
-                <a:spcPct val="90000"/>
-              </a:lnSpc>
-              <a:spcBef>
-                <a:spcPts val="500"/>
-              </a:spcBef>
-              <a:buFont typeface="Arial" panose="020B0604020202020204" pitchFamily="34" charset="0"/>
-              <a:buChar char="•"/>
-              <a:defRPr sz="1800" kern="1200">
-                <a:solidFill>
-                  <a:schemeClr val="tx1"/>
-                </a:solidFill>
-                <a:latin typeface="+mn-lt"/>
-                <a:ea typeface="+mn-ea"/>
-                <a:cs typeface="+mn-cs"/>
-              </a:defRPr>
-            </a:lvl5pPr>
-            <a:lvl6pPr marL="2514600" indent="-228600" algn="l" defTabSz="914400" rtl="0" eaLnBrk="1" latinLnBrk="0" hangingPunct="1">
-              <a:lnSpc>
-                <a:spcPct val="90000"/>
-              </a:lnSpc>
-              <a:spcBef>
-                <a:spcPts val="500"/>
-              </a:spcBef>
-              <a:buFont typeface="Arial" panose="020B0604020202020204" pitchFamily="34" charset="0"/>
-              <a:buChar char="•"/>
-              <a:defRPr sz="1800" kern="1200">
-                <a:solidFill>
-                  <a:schemeClr val="tx1"/>
-                </a:solidFill>
-                <a:latin typeface="+mn-lt"/>
-                <a:ea typeface="+mn-ea"/>
-                <a:cs typeface="+mn-cs"/>
-              </a:defRPr>
-            </a:lvl6pPr>
-            <a:lvl7pPr marL="2971800" indent="-228600" algn="l" defTabSz="914400" rtl="0" eaLnBrk="1" latinLnBrk="0" hangingPunct="1">
-              <a:lnSpc>
-                <a:spcPct val="90000"/>
-              </a:lnSpc>
-              <a:spcBef>
-                <a:spcPts val="500"/>
-              </a:spcBef>
-              <a:buFont typeface="Arial" panose="020B0604020202020204" pitchFamily="34" charset="0"/>
-              <a:buChar char="•"/>
-              <a:defRPr sz="1800" kern="1200">
-                <a:solidFill>
-                  <a:schemeClr val="tx1"/>
-                </a:solidFill>
-                <a:latin typeface="+mn-lt"/>
-                <a:ea typeface="+mn-ea"/>
-                <a:cs typeface="+mn-cs"/>
-              </a:defRPr>
-            </a:lvl7pPr>
-            <a:lvl8pPr marL="3429000" indent="-228600" algn="l" defTabSz="914400" rtl="0" eaLnBrk="1" latinLnBrk="0" hangingPunct="1">
-              <a:lnSpc>
-                <a:spcPct val="90000"/>
-              </a:lnSpc>
-              <a:spcBef>
-                <a:spcPts val="500"/>
-              </a:spcBef>
-              <a:buFont typeface="Arial" panose="020B0604020202020204" pitchFamily="34" charset="0"/>
-              <a:buChar char="•"/>
-              <a:defRPr sz="1800" kern="1200">
-                <a:solidFill>
-                  <a:schemeClr val="tx1"/>
-                </a:solidFill>
-                <a:latin typeface="+mn-lt"/>
-                <a:ea typeface="+mn-ea"/>
-                <a:cs typeface="+mn-cs"/>
-              </a:defRPr>
-            </a:lvl8pPr>
-            <a:lvl9pPr marL="3886200" indent="-228600" algn="l" defTabSz="914400" rtl="0" eaLnBrk="1" latinLnBrk="0" hangingPunct="1">
-              <a:lnSpc>
-                <a:spcPct val="90000"/>
-              </a:lnSpc>
-              <a:spcBef>
-                <a:spcPts val="500"/>
-              </a:spcBef>
-              <a:buFont typeface="Arial" panose="020B0604020202020204" pitchFamily="34" charset="0"/>
-              <a:buChar char="•"/>
-              <a:defRPr sz="1800" kern="1200">
-                <a:solidFill>
-                  <a:schemeClr val="tx1"/>
-                </a:solidFill>
-                <a:latin typeface="+mn-lt"/>
-                <a:ea typeface="+mn-ea"/>
-                <a:cs typeface="+mn-cs"/>
-              </a:defRPr>
-            </a:lvl9pPr>
-          </a:lstStyle>
-          <a:p>
-            <a:pPr>
-              <a:lnSpc>
-                <a:spcPct val="107000"/>
-              </a:lnSpc>
-              <a:spcBef>
-                <a:spcPts val="800"/>
-              </a:spcBef>
-              <a:spcAft>
-                <a:spcPts val="400"/>
-              </a:spcAft>
-              <a:buFont typeface="Wingdings" panose="05000000000000000000" pitchFamily="2" charset="2"/>
-              <a:buChar char="§"/>
-            </a:pPr>
-            <a:r>
-              <a:rPr kumimoji="0" lang="en-US" sz="2000" b="1" i="0" u="none" strike="noStrike" kern="1200" cap="none" spc="0" normalizeH="0" baseline="0" noProof="0" dirty="0">
-                <a:ln>
-                  <a:noFill/>
-                </a:ln>
-                <a:solidFill>
-                  <a:prstClr val="white"/>
-                </a:solidFill>
-                <a:effectLst/>
-                <a:uLnTx/>
-                <a:uFillTx/>
-                <a:latin typeface="Calibri" panose="020F0502020204030204"/>
-                <a:ea typeface="+mn-ea"/>
-                <a:cs typeface="+mn-cs"/>
-              </a:rPr>
-              <a:t>Each Team will be led by Scrum Master, (Project Manager) who must be a faculty with minimum 3 and maximum 5 team members (students) with clear roles &amp; responsibilities. </a:t>
-            </a:r>
-            <a:r>
-              <a:rPr lang="en-US" sz="2000" b="1" dirty="0">
-                <a:solidFill>
-                  <a:prstClr val="white"/>
-                </a:solidFill>
-                <a:latin typeface="Calibri" panose="020F0502020204030204"/>
-              </a:rPr>
-              <a:t>Key roles are given below if team </a:t>
-            </a:r>
-            <a:r>
-              <a:rPr lang="en-US" sz="2000" b="1" dirty="0" err="1">
-                <a:solidFill>
-                  <a:prstClr val="white"/>
-                </a:solidFill>
-                <a:latin typeface="Calibri" panose="020F0502020204030204"/>
-              </a:rPr>
-              <a:t>mebers</a:t>
-            </a:r>
-            <a:r>
-              <a:rPr lang="en-US" sz="2000" b="1" dirty="0">
-                <a:solidFill>
-                  <a:prstClr val="white"/>
-                </a:solidFill>
-                <a:latin typeface="Calibri" panose="020F0502020204030204"/>
-              </a:rPr>
-              <a:t> are lesser in number then the roles can be merged.</a:t>
-            </a:r>
-          </a:p>
-          <a:p>
-            <a:pPr>
-              <a:lnSpc>
-                <a:spcPct val="107000"/>
-              </a:lnSpc>
-              <a:spcBef>
-                <a:spcPts val="800"/>
-              </a:spcBef>
-              <a:spcAft>
-                <a:spcPts val="400"/>
-              </a:spcAft>
-              <a:buFont typeface="Wingdings" panose="05000000000000000000" pitchFamily="2" charset="2"/>
-              <a:buChar char="§"/>
-            </a:pPr>
-            <a:r>
-              <a:rPr kumimoji="0" lang="en-US" sz="2000" b="1" i="0" u="none" strike="noStrike" kern="1200" cap="none" spc="0" normalizeH="0" baseline="0" noProof="0" dirty="0">
-                <a:ln>
-                  <a:noFill/>
-                </a:ln>
-                <a:solidFill>
-                  <a:prstClr val="white"/>
-                </a:solidFill>
-                <a:effectLst/>
-                <a:uLnTx/>
-                <a:uFillTx/>
-                <a:latin typeface="Calibri" panose="020F0502020204030204"/>
-                <a:ea typeface="+mn-ea"/>
-                <a:cs typeface="+mn-cs"/>
-              </a:rPr>
-              <a:t>Key Roles</a:t>
-            </a:r>
-          </a:p>
-          <a:p>
-            <a:pPr lvl="1">
-              <a:lnSpc>
-                <a:spcPct val="107000"/>
-              </a:lnSpc>
-              <a:spcBef>
-                <a:spcPts val="800"/>
-              </a:spcBef>
-              <a:spcAft>
-                <a:spcPts val="400"/>
-              </a:spcAft>
-              <a:buFont typeface="Wingdings" panose="05000000000000000000" pitchFamily="2" charset="2"/>
-              <a:buChar char="§"/>
-            </a:pPr>
-            <a:r>
-              <a:rPr kumimoji="0" lang="en-US" sz="1800" b="1" i="0" u="none" strike="noStrike" kern="1200" cap="none" spc="0" normalizeH="0" baseline="0" noProof="0" dirty="0">
-                <a:ln>
-                  <a:noFill/>
-                </a:ln>
-                <a:solidFill>
-                  <a:prstClr val="white"/>
-                </a:solidFill>
-                <a:effectLst/>
-                <a:uLnTx/>
-                <a:uFillTx/>
-                <a:latin typeface="Calibri" panose="020F0502020204030204"/>
-                <a:ea typeface="+mn-ea"/>
-                <a:cs typeface="+mn-cs"/>
-              </a:rPr>
-              <a:t>Project Manager</a:t>
-            </a:r>
-          </a:p>
-          <a:p>
-            <a:pPr lvl="1">
-              <a:lnSpc>
-                <a:spcPct val="107000"/>
-              </a:lnSpc>
-              <a:spcBef>
-                <a:spcPts val="800"/>
-              </a:spcBef>
-              <a:spcAft>
-                <a:spcPts val="400"/>
-              </a:spcAft>
-              <a:buFont typeface="Wingdings" panose="05000000000000000000" pitchFamily="2" charset="2"/>
-              <a:buChar char="§"/>
-            </a:pPr>
-            <a:r>
-              <a:rPr lang="en-US" sz="1800" b="1" dirty="0">
-                <a:solidFill>
-                  <a:prstClr val="white"/>
-                </a:solidFill>
-              </a:rPr>
-              <a:t>AI Engineer</a:t>
-            </a:r>
-            <a:endParaRPr kumimoji="0" lang="en-US" sz="1800" b="1" i="0" u="none" strike="noStrike" kern="1200" cap="none" spc="0" normalizeH="0" baseline="0" noProof="0" dirty="0">
-              <a:ln>
-                <a:noFill/>
-              </a:ln>
-              <a:solidFill>
-                <a:prstClr val="white"/>
-              </a:solidFill>
-              <a:effectLst/>
-              <a:uLnTx/>
-              <a:uFillTx/>
-              <a:latin typeface="Calibri" panose="020F0502020204030204"/>
-              <a:ea typeface="+mn-ea"/>
-              <a:cs typeface="+mn-cs"/>
-            </a:endParaRPr>
-          </a:p>
-          <a:p>
-            <a:pPr lvl="1">
-              <a:lnSpc>
-                <a:spcPct val="107000"/>
-              </a:lnSpc>
-              <a:spcBef>
-                <a:spcPts val="800"/>
-              </a:spcBef>
-              <a:spcAft>
-                <a:spcPts val="400"/>
-              </a:spcAft>
-              <a:buFont typeface="Wingdings" panose="05000000000000000000" pitchFamily="2" charset="2"/>
-              <a:buChar char="§"/>
-            </a:pPr>
-            <a:r>
-              <a:rPr kumimoji="0" lang="en-US" sz="1800" b="1" i="0" u="none" strike="noStrike" kern="1200" cap="none" spc="0" normalizeH="0" baseline="0" noProof="0" dirty="0">
-                <a:ln>
-                  <a:noFill/>
-                </a:ln>
-                <a:solidFill>
-                  <a:prstClr val="white"/>
-                </a:solidFill>
-                <a:effectLst/>
-                <a:uLnTx/>
-                <a:uFillTx/>
-                <a:latin typeface="Calibri" panose="020F0502020204030204"/>
-                <a:ea typeface="+mn-ea"/>
-                <a:cs typeface="+mn-cs"/>
-              </a:rPr>
-              <a:t>Front-End Developer</a:t>
-            </a:r>
-          </a:p>
-          <a:p>
-            <a:pPr lvl="1">
-              <a:lnSpc>
-                <a:spcPct val="107000"/>
-              </a:lnSpc>
-              <a:spcBef>
-                <a:spcPts val="800"/>
-              </a:spcBef>
-              <a:spcAft>
-                <a:spcPts val="400"/>
-              </a:spcAft>
-              <a:buFont typeface="Wingdings" panose="05000000000000000000" pitchFamily="2" charset="2"/>
-              <a:buChar char="§"/>
-            </a:pPr>
-            <a:r>
-              <a:rPr lang="en-US" sz="1800" b="1" dirty="0">
-                <a:solidFill>
-                  <a:prstClr val="white"/>
-                </a:solidFill>
-                <a:latin typeface="Calibri" panose="020F0502020204030204"/>
-              </a:rPr>
-              <a:t>Back-End Developer</a:t>
-            </a:r>
-          </a:p>
-          <a:p>
-            <a:pPr lvl="1">
-              <a:lnSpc>
-                <a:spcPct val="107000"/>
-              </a:lnSpc>
-              <a:spcBef>
-                <a:spcPts val="800"/>
-              </a:spcBef>
-              <a:spcAft>
-                <a:spcPts val="400"/>
-              </a:spcAft>
-              <a:buFont typeface="Wingdings" panose="05000000000000000000" pitchFamily="2" charset="2"/>
-              <a:buChar char="§"/>
-            </a:pPr>
-            <a:r>
-              <a:rPr lang="en-US" sz="1800" b="1" dirty="0">
-                <a:solidFill>
-                  <a:prstClr val="white"/>
-                </a:solidFill>
-                <a:latin typeface="Calibri" panose="020F0502020204030204"/>
-              </a:rPr>
-              <a:t>Data Scientist</a:t>
-            </a:r>
-          </a:p>
-          <a:p>
-            <a:pPr>
-              <a:lnSpc>
-                <a:spcPct val="107000"/>
-              </a:lnSpc>
-              <a:spcBef>
-                <a:spcPts val="800"/>
-              </a:spcBef>
-              <a:spcAft>
-                <a:spcPts val="400"/>
-              </a:spcAft>
-              <a:buFont typeface="Wingdings" panose="05000000000000000000" pitchFamily="2" charset="2"/>
-              <a:buChar char="§"/>
-            </a:pPr>
-            <a:r>
-              <a:rPr lang="en-US" sz="2000" b="1" dirty="0">
-                <a:solidFill>
-                  <a:prstClr val="white"/>
-                </a:solidFill>
-                <a:latin typeface="Calibri" panose="020F0502020204030204"/>
-              </a:rPr>
-              <a:t>Each Team must have a mentor who could be another senior faculty or any one from software industry.</a:t>
-            </a:r>
-          </a:p>
-          <a:p>
-            <a:pPr lvl="1">
-              <a:lnSpc>
-                <a:spcPct val="107000"/>
-              </a:lnSpc>
-              <a:spcBef>
-                <a:spcPts val="800"/>
-              </a:spcBef>
-              <a:spcAft>
-                <a:spcPts val="400"/>
-              </a:spcAft>
-              <a:buFont typeface="Wingdings" panose="05000000000000000000" pitchFamily="2" charset="2"/>
-              <a:buChar char="§"/>
-            </a:pPr>
-            <a:endParaRPr lang="en-US" sz="1800" b="1" dirty="0">
-              <a:solidFill>
-                <a:prstClr val="white"/>
-              </a:solidFill>
-              <a:latin typeface="Calibri" panose="020F0502020204030204"/>
-            </a:endParaRPr>
-          </a:p>
-          <a:p>
-            <a:pPr lvl="1">
-              <a:lnSpc>
-                <a:spcPct val="107000"/>
-              </a:lnSpc>
-              <a:spcBef>
-                <a:spcPts val="800"/>
-              </a:spcBef>
-              <a:spcAft>
-                <a:spcPts val="400"/>
-              </a:spcAft>
-              <a:buFont typeface="Wingdings" panose="05000000000000000000" pitchFamily="2" charset="2"/>
-              <a:buChar char="§"/>
-            </a:pPr>
-            <a:endParaRPr kumimoji="0" lang="en-US" sz="1800" b="1" i="0" u="none" strike="noStrike" kern="1200" cap="none" spc="0" normalizeH="0" baseline="0" noProof="0" dirty="0">
-              <a:ln>
-                <a:noFill/>
-              </a:ln>
-              <a:solidFill>
-                <a:prstClr val="white"/>
-              </a:solidFill>
-              <a:effectLst/>
-              <a:uLnTx/>
-              <a:uFillTx/>
-              <a:latin typeface="Calibri" panose="020F0502020204030204"/>
-              <a:ea typeface="+mn-ea"/>
-              <a:cs typeface="+mn-cs"/>
-            </a:endParaRPr>
-          </a:p>
-          <a:p>
-            <a:pPr marL="0" indent="0">
-              <a:lnSpc>
-                <a:spcPct val="107000"/>
-              </a:lnSpc>
-              <a:spcBef>
-                <a:spcPts val="800"/>
-              </a:spcBef>
-              <a:spcAft>
-                <a:spcPts val="400"/>
-              </a:spcAft>
-              <a:buNone/>
-            </a:pPr>
-            <a:endParaRPr kumimoji="0" lang="en-US" sz="2000" b="1" i="0" u="none" strike="noStrike" kern="1200" cap="none" spc="0" normalizeH="0" baseline="0" noProof="0" dirty="0">
-              <a:ln>
-                <a:noFill/>
-              </a:ln>
-              <a:solidFill>
-                <a:prstClr val="white"/>
-              </a:solidFill>
-              <a:effectLst/>
-              <a:uLnTx/>
-              <a:uFillTx/>
-              <a:latin typeface="Calibri" panose="020F0502020204030204"/>
-              <a:ea typeface="+mn-ea"/>
-              <a:cs typeface="+mn-cs"/>
-            </a:endParaRPr>
-          </a:p>
-        </p:txBody>
-      </p:sp>
-      <p:pic>
-        <p:nvPicPr>
-          <p:cNvPr id="13" name="Picture 12">
-            <a:extLst>
-              <a:ext uri="{FF2B5EF4-FFF2-40B4-BE49-F238E27FC236}">
-                <a16:creationId xmlns:a16="http://schemas.microsoft.com/office/drawing/2014/main" id="{F705F268-B090-402C-8699-D1F18BCBF896}"/>
-              </a:ext>
-            </a:extLst>
-          </p:cNvPr>
-          <p:cNvPicPr>
-            <a:picLocks noChangeAspect="1"/>
-          </p:cNvPicPr>
-          <p:nvPr/>
-        </p:nvPicPr>
-        <p:blipFill>
-          <a:blip r:embed="rId3" cstate="print">
-            <a:extLst>
-              <a:ext uri="{28A0092B-C50C-407E-A947-70E740481C1C}">
-                <a14:useLocalDpi xmlns:a14="http://schemas.microsoft.com/office/drawing/2010/main" val="0"/>
-              </a:ext>
-            </a:extLst>
-          </a:blip>
-          <a:stretch>
-            <a:fillRect/>
-          </a:stretch>
-        </p:blipFill>
-        <p:spPr>
-          <a:xfrm>
-            <a:off x="9095603" y="15810"/>
-            <a:ext cx="2904187" cy="1054029"/>
-          </a:xfrm>
-          <a:prstGeom prst="rect">
-            <a:avLst/>
-          </a:prstGeom>
-        </p:spPr>
-      </p:pic>
-      <p:sp>
-        <p:nvSpPr>
-          <p:cNvPr id="4" name="Subtitle 2">
-            <a:extLst>
-              <a:ext uri="{FF2B5EF4-FFF2-40B4-BE49-F238E27FC236}">
-                <a16:creationId xmlns:a16="http://schemas.microsoft.com/office/drawing/2014/main" id="{466306A4-A02C-D126-E26D-9C37CC9C0603}"/>
-              </a:ext>
-            </a:extLst>
-          </p:cNvPr>
-          <p:cNvSpPr txBox="1">
-            <a:spLocks/>
-          </p:cNvSpPr>
-          <p:nvPr/>
-        </p:nvSpPr>
-        <p:spPr>
-          <a:xfrm>
-            <a:off x="9806521" y="975186"/>
-            <a:ext cx="528104" cy="294202"/>
-          </a:xfrm>
-          <a:prstGeom prst="rect">
-            <a:avLst/>
-          </a:prstGeom>
-          <a:noFill/>
-        </p:spPr>
-        <p:txBody>
-          <a:bodyPr vert="horz" lIns="91440" tIns="45720" rIns="91440" bIns="45720" rtlCol="0">
-            <a:noAutofit/>
-          </a:bodyPr>
-          <a:lstStyle>
-            <a:lvl1pPr marL="228600" indent="-228600" algn="l" defTabSz="914400" rtl="0" eaLnBrk="1" latinLnBrk="0" hangingPunct="1">
-              <a:lnSpc>
-                <a:spcPct val="90000"/>
-              </a:lnSpc>
-              <a:spcBef>
-                <a:spcPts val="1000"/>
-              </a:spcBef>
-              <a:buFont typeface="Arial" panose="020B0604020202020204" pitchFamily="34" charset="0"/>
-              <a:buChar char="•"/>
-              <a:defRPr sz="2800" kern="1200">
-                <a:solidFill>
-                  <a:schemeClr val="tx1"/>
-                </a:solidFill>
-                <a:latin typeface="+mn-lt"/>
-                <a:ea typeface="+mn-ea"/>
-                <a:cs typeface="+mn-cs"/>
-              </a:defRPr>
-            </a:lvl1pPr>
-            <a:lvl2pPr marL="685800" indent="-228600" algn="l" defTabSz="914400" rtl="0" eaLnBrk="1" latinLnBrk="0" hangingPunct="1">
-              <a:lnSpc>
-                <a:spcPct val="90000"/>
-              </a:lnSpc>
-              <a:spcBef>
-                <a:spcPts val="500"/>
-              </a:spcBef>
-              <a:buFont typeface="Arial" panose="020B0604020202020204" pitchFamily="34" charset="0"/>
-              <a:buChar char="•"/>
-              <a:defRPr sz="2400" kern="1200">
-                <a:solidFill>
-                  <a:schemeClr val="tx1"/>
-                </a:solidFill>
-                <a:latin typeface="+mn-lt"/>
-                <a:ea typeface="+mn-ea"/>
-                <a:cs typeface="+mn-cs"/>
-              </a:defRPr>
-            </a:lvl2pPr>
-            <a:lvl3pPr marL="1143000" indent="-228600" algn="l" defTabSz="914400" rtl="0" eaLnBrk="1" latinLnBrk="0" hangingPunct="1">
-              <a:lnSpc>
-                <a:spcPct val="90000"/>
-              </a:lnSpc>
-              <a:spcBef>
-                <a:spcPts val="500"/>
-              </a:spcBef>
-              <a:buFont typeface="Arial" panose="020B0604020202020204" pitchFamily="34" charset="0"/>
-              <a:buChar char="•"/>
-              <a:defRPr sz="2000" kern="1200">
-                <a:solidFill>
-                  <a:schemeClr val="tx1"/>
-                </a:solidFill>
-                <a:latin typeface="+mn-lt"/>
-                <a:ea typeface="+mn-ea"/>
-                <a:cs typeface="+mn-cs"/>
-              </a:defRPr>
-            </a:lvl3pPr>
-            <a:lvl4pPr marL="1600200" indent="-228600" algn="l" defTabSz="914400" rtl="0" eaLnBrk="1" latinLnBrk="0" hangingPunct="1">
-              <a:lnSpc>
-                <a:spcPct val="90000"/>
-              </a:lnSpc>
-              <a:spcBef>
-                <a:spcPts val="500"/>
-              </a:spcBef>
-              <a:buFont typeface="Arial" panose="020B0604020202020204" pitchFamily="34" charset="0"/>
-              <a:buChar char="•"/>
-              <a:defRPr sz="1800" kern="1200">
-                <a:solidFill>
-                  <a:schemeClr val="tx1"/>
-                </a:solidFill>
-                <a:latin typeface="+mn-lt"/>
-                <a:ea typeface="+mn-ea"/>
-                <a:cs typeface="+mn-cs"/>
-              </a:defRPr>
-            </a:lvl4pPr>
-            <a:lvl5pPr marL="2057400" indent="-228600" algn="l" defTabSz="914400" rtl="0" eaLnBrk="1" latinLnBrk="0" hangingPunct="1">
-              <a:lnSpc>
-                <a:spcPct val="90000"/>
-              </a:lnSpc>
-              <a:spcBef>
-                <a:spcPts val="500"/>
-              </a:spcBef>
-              <a:buFont typeface="Arial" panose="020B0604020202020204" pitchFamily="34" charset="0"/>
-              <a:buChar char="•"/>
-              <a:defRPr sz="1800" kern="1200">
-                <a:solidFill>
-                  <a:schemeClr val="tx1"/>
-                </a:solidFill>
-                <a:latin typeface="+mn-lt"/>
-                <a:ea typeface="+mn-ea"/>
-                <a:cs typeface="+mn-cs"/>
-              </a:defRPr>
-            </a:lvl5pPr>
-            <a:lvl6pPr marL="2514600" indent="-228600" algn="l" defTabSz="914400" rtl="0" eaLnBrk="1" latinLnBrk="0" hangingPunct="1">
-              <a:lnSpc>
-                <a:spcPct val="90000"/>
-              </a:lnSpc>
-              <a:spcBef>
-                <a:spcPts val="500"/>
-              </a:spcBef>
-              <a:buFont typeface="Arial" panose="020B0604020202020204" pitchFamily="34" charset="0"/>
-              <a:buChar char="•"/>
-              <a:defRPr sz="1800" kern="1200">
-                <a:solidFill>
-                  <a:schemeClr val="tx1"/>
-                </a:solidFill>
-                <a:latin typeface="+mn-lt"/>
-                <a:ea typeface="+mn-ea"/>
-                <a:cs typeface="+mn-cs"/>
-              </a:defRPr>
-            </a:lvl6pPr>
-            <a:lvl7pPr marL="2971800" indent="-228600" algn="l" defTabSz="914400" rtl="0" eaLnBrk="1" latinLnBrk="0" hangingPunct="1">
-              <a:lnSpc>
-                <a:spcPct val="90000"/>
-              </a:lnSpc>
-              <a:spcBef>
-                <a:spcPts val="500"/>
-              </a:spcBef>
-              <a:buFont typeface="Arial" panose="020B0604020202020204" pitchFamily="34" charset="0"/>
-              <a:buChar char="•"/>
-              <a:defRPr sz="1800" kern="1200">
-                <a:solidFill>
-                  <a:schemeClr val="tx1"/>
-                </a:solidFill>
-                <a:latin typeface="+mn-lt"/>
-                <a:ea typeface="+mn-ea"/>
-                <a:cs typeface="+mn-cs"/>
-              </a:defRPr>
-            </a:lvl7pPr>
-            <a:lvl8pPr marL="3429000" indent="-228600" algn="l" defTabSz="914400" rtl="0" eaLnBrk="1" latinLnBrk="0" hangingPunct="1">
-              <a:lnSpc>
-                <a:spcPct val="90000"/>
-              </a:lnSpc>
-              <a:spcBef>
-                <a:spcPts val="500"/>
-              </a:spcBef>
-              <a:buFont typeface="Arial" panose="020B0604020202020204" pitchFamily="34" charset="0"/>
-              <a:buChar char="•"/>
-              <a:defRPr sz="1800" kern="1200">
-                <a:solidFill>
-                  <a:schemeClr val="tx1"/>
-                </a:solidFill>
-                <a:latin typeface="+mn-lt"/>
-                <a:ea typeface="+mn-ea"/>
-                <a:cs typeface="+mn-cs"/>
-              </a:defRPr>
-            </a:lvl8pPr>
-            <a:lvl9pPr marL="3886200" indent="-228600" algn="l" defTabSz="914400" rtl="0" eaLnBrk="1" latinLnBrk="0" hangingPunct="1">
-              <a:lnSpc>
-                <a:spcPct val="90000"/>
-              </a:lnSpc>
-              <a:spcBef>
-                <a:spcPts val="500"/>
-              </a:spcBef>
-              <a:buFont typeface="Arial" panose="020B0604020202020204" pitchFamily="34" charset="0"/>
-              <a:buChar char="•"/>
-              <a:defRPr sz="1800" kern="1200">
-                <a:solidFill>
-                  <a:schemeClr val="tx1"/>
-                </a:solidFill>
-                <a:latin typeface="+mn-lt"/>
-                <a:ea typeface="+mn-ea"/>
-                <a:cs typeface="+mn-cs"/>
-              </a:defRPr>
-            </a:lvl9pPr>
-          </a:lstStyle>
-          <a:p>
-            <a:pPr marL="0" indent="0" algn="ctr">
-              <a:buFont typeface="Arial" panose="020B0604020202020204" pitchFamily="34" charset="0"/>
-              <a:buNone/>
-            </a:pPr>
-            <a:r>
-              <a:rPr lang="en-US" sz="1600" b="1" dirty="0">
-                <a:solidFill>
-                  <a:srgbClr val="FFC000"/>
-                </a:solidFill>
-              </a:rPr>
-              <a:t>2.0</a:t>
-            </a:r>
-          </a:p>
-        </p:txBody>
-      </p:sp>
-    </p:spTree>
-    <p:extLst>
-      <p:ext uri="{BB962C8B-B14F-4D97-AF65-F5344CB8AC3E}">
-        <p14:creationId xmlns:p14="http://schemas.microsoft.com/office/powerpoint/2010/main" val="1377203380"/>
-      </p:ext>
-    </p:extLst>
-  </p:cSld>
-  <p:clrMapOvr>
-    <a:masterClrMapping/>
-  </p:clrMapOvr>
-</p:sld>
-</file>
-
-<file path=ppt/slides/slide4.xml><?xml version="1.0" encoding="utf-8"?>
-<p:sld xmlns:a="http://schemas.openxmlformats.org/drawingml/2006/main" xmlns:r="http://schemas.openxmlformats.org/officeDocument/2006/relationships" xmlns:p="http://schemas.openxmlformats.org/presentationml/2006/main">
-  <p:cSld>
-    <p:spTree>
-      <p:nvGrpSpPr>
-        <p:cNvPr id="1" name="">
-          <a:extLst>
-            <a:ext uri="{FF2B5EF4-FFF2-40B4-BE49-F238E27FC236}">
-              <a16:creationId xmlns:a16="http://schemas.microsoft.com/office/drawing/2014/main" id="{2B8C30C7-D41B-AB64-D2EF-09F084EBA62A}"/>
-            </a:ext>
-          </a:extLst>
-        </p:cNvPr>
-        <p:cNvGrpSpPr/>
-        <p:nvPr/>
-      </p:nvGrpSpPr>
-      <p:grpSpPr>
-        <a:xfrm>
-          <a:off x="0" y="0"/>
-          <a:ext cx="0" cy="0"/>
-          <a:chOff x="0" y="0"/>
-          <a:chExt cx="0" cy="0"/>
-        </a:xfrm>
-      </p:grpSpPr>
-      <p:pic>
-        <p:nvPicPr>
-          <p:cNvPr id="2" name="Picture 1">
-            <a:extLst>
-              <a:ext uri="{FF2B5EF4-FFF2-40B4-BE49-F238E27FC236}">
-                <a16:creationId xmlns:a16="http://schemas.microsoft.com/office/drawing/2014/main" id="{33B5D946-0873-AF99-F407-EBB878423604}"/>
-              </a:ext>
-            </a:extLst>
-          </p:cNvPr>
-          <p:cNvPicPr>
-            <a:picLocks noChangeAspect="1"/>
-          </p:cNvPicPr>
-          <p:nvPr/>
-        </p:nvPicPr>
-        <p:blipFill>
-          <a:blip r:embed="rId2">
-            <a:extLst>
-              <a:ext uri="{28A0092B-C50C-407E-A947-70E740481C1C}">
-                <a14:useLocalDpi xmlns:a14="http://schemas.microsoft.com/office/drawing/2010/main" val="0"/>
-              </a:ext>
-            </a:extLst>
-          </a:blip>
-          <a:stretch>
-            <a:fillRect/>
-          </a:stretch>
-        </p:blipFill>
-        <p:spPr>
-          <a:xfrm>
             <a:off x="21661" y="-54856"/>
             <a:ext cx="12192846" cy="6857524"/>
           </a:xfrm>
@@ -5418,7 +4737,7 @@
         </p:nvGraphicFramePr>
         <p:xfrm>
           <a:off x="644768" y="1360199"/>
-          <a:ext cx="10515600" cy="3450719"/>
+          <a:ext cx="10515600" cy="3435479"/>
         </p:xfrm>
         <a:graphic>
           <a:graphicData uri="http://schemas.openxmlformats.org/drawingml/2006/table">
